--- a/figures_ms/SEM_3.pptx
+++ b/figures_ms/SEM_3.pptx
@@ -208,7 +208,7 @@
           <a:p>
             <a:fld id="{392E123C-632C-5544-A784-CDF7918869F5}" type="datetimeFigureOut">
               <a:rPr lang="en-CH" smtClean="0"/>
-              <a:t>28.11.2024</a:t>
+              <a:t>20.02.2025</a:t>
             </a:fld>
             <a:endParaRPr lang="en-CH"/>
           </a:p>
@@ -709,7 +709,7 @@
           <a:p>
             <a:fld id="{E0ED9915-2572-7040-8910-74C1149B9A2E}" type="datetimeFigureOut">
               <a:rPr lang="en-CH" smtClean="0"/>
-              <a:t>28.11.2024</a:t>
+              <a:t>20.02.2025</a:t>
             </a:fld>
             <a:endParaRPr lang="en-CH"/>
           </a:p>
@@ -909,7 +909,7 @@
           <a:p>
             <a:fld id="{E0ED9915-2572-7040-8910-74C1149B9A2E}" type="datetimeFigureOut">
               <a:rPr lang="en-CH" smtClean="0"/>
-              <a:t>28.11.2024</a:t>
+              <a:t>20.02.2025</a:t>
             </a:fld>
             <a:endParaRPr lang="en-CH"/>
           </a:p>
@@ -1119,7 +1119,7 @@
           <a:p>
             <a:fld id="{E0ED9915-2572-7040-8910-74C1149B9A2E}" type="datetimeFigureOut">
               <a:rPr lang="en-CH" smtClean="0"/>
-              <a:t>28.11.2024</a:t>
+              <a:t>20.02.2025</a:t>
             </a:fld>
             <a:endParaRPr lang="en-CH"/>
           </a:p>
@@ -1319,7 +1319,7 @@
           <a:p>
             <a:fld id="{E0ED9915-2572-7040-8910-74C1149B9A2E}" type="datetimeFigureOut">
               <a:rPr lang="en-CH" smtClean="0"/>
-              <a:t>28.11.2024</a:t>
+              <a:t>20.02.2025</a:t>
             </a:fld>
             <a:endParaRPr lang="en-CH"/>
           </a:p>
@@ -1595,7 +1595,7 @@
           <a:p>
             <a:fld id="{E0ED9915-2572-7040-8910-74C1149B9A2E}" type="datetimeFigureOut">
               <a:rPr lang="en-CH" smtClean="0"/>
-              <a:t>28.11.2024</a:t>
+              <a:t>20.02.2025</a:t>
             </a:fld>
             <a:endParaRPr lang="en-CH"/>
           </a:p>
@@ -1863,7 +1863,7 @@
           <a:p>
             <a:fld id="{E0ED9915-2572-7040-8910-74C1149B9A2E}" type="datetimeFigureOut">
               <a:rPr lang="en-CH" smtClean="0"/>
-              <a:t>28.11.2024</a:t>
+              <a:t>20.02.2025</a:t>
             </a:fld>
             <a:endParaRPr lang="en-CH"/>
           </a:p>
@@ -2278,7 +2278,7 @@
           <a:p>
             <a:fld id="{E0ED9915-2572-7040-8910-74C1149B9A2E}" type="datetimeFigureOut">
               <a:rPr lang="en-CH" smtClean="0"/>
-              <a:t>28.11.2024</a:t>
+              <a:t>20.02.2025</a:t>
             </a:fld>
             <a:endParaRPr lang="en-CH"/>
           </a:p>
@@ -2420,7 +2420,7 @@
           <a:p>
             <a:fld id="{E0ED9915-2572-7040-8910-74C1149B9A2E}" type="datetimeFigureOut">
               <a:rPr lang="en-CH" smtClean="0"/>
-              <a:t>28.11.2024</a:t>
+              <a:t>20.02.2025</a:t>
             </a:fld>
             <a:endParaRPr lang="en-CH"/>
           </a:p>
@@ -2533,7 +2533,7 @@
           <a:p>
             <a:fld id="{E0ED9915-2572-7040-8910-74C1149B9A2E}" type="datetimeFigureOut">
               <a:rPr lang="en-CH" smtClean="0"/>
-              <a:t>28.11.2024</a:t>
+              <a:t>20.02.2025</a:t>
             </a:fld>
             <a:endParaRPr lang="en-CH"/>
           </a:p>
@@ -2846,7 +2846,7 @@
           <a:p>
             <a:fld id="{E0ED9915-2572-7040-8910-74C1149B9A2E}" type="datetimeFigureOut">
               <a:rPr lang="en-CH" smtClean="0"/>
-              <a:t>28.11.2024</a:t>
+              <a:t>20.02.2025</a:t>
             </a:fld>
             <a:endParaRPr lang="en-CH"/>
           </a:p>
@@ -3135,7 +3135,7 @@
           <a:p>
             <a:fld id="{E0ED9915-2572-7040-8910-74C1149B9A2E}" type="datetimeFigureOut">
               <a:rPr lang="en-CH" smtClean="0"/>
-              <a:t>28.11.2024</a:t>
+              <a:t>20.02.2025</a:t>
             </a:fld>
             <a:endParaRPr lang="en-CH"/>
           </a:p>
@@ -3378,7 +3378,7 @@
           <a:p>
             <a:fld id="{E0ED9915-2572-7040-8910-74C1149B9A2E}" type="datetimeFigureOut">
               <a:rPr lang="en-CH" smtClean="0"/>
-              <a:t>28.11.2024</a:t>
+              <a:t>20.02.2025</a:t>
             </a:fld>
             <a:endParaRPr lang="en-CH"/>
           </a:p>
@@ -4039,7 +4039,7 @@
                     <a:rPr lang="en-GB" sz="2400" dirty="0">
                       <a:latin typeface="Helvetica" pitchFamily="2" charset="0"/>
                     </a:rPr>
-                    <a:t>0.97</a:t>
+                    <a:t>0.99</a:t>
                   </a:r>
                 </a:p>
               </p:txBody>
@@ -4113,7 +4113,7 @@
                     <a:rPr lang="en-GB" sz="2400" dirty="0">
                       <a:latin typeface="Helvetica" pitchFamily="2" charset="0"/>
                     </a:rPr>
-                    <a:t>0.64</a:t>
+                    <a:t>0.65</a:t>
                   </a:r>
                 </a:p>
               </p:txBody>
@@ -4189,7 +4189,7 @@
                       </a:solidFill>
                       <a:latin typeface="Helvetica" pitchFamily="2" charset="0"/>
                     </a:rPr>
-                    <a:t>R2 = 0.21</a:t>
+                    <a:t>R2 = 0.25</a:t>
                   </a:r>
                 </a:p>
               </p:txBody>
@@ -4341,7 +4341,7 @@
               <a:rPr lang="en-GB" sz="2400" dirty="0">
                 <a:latin typeface="Helvetica" pitchFamily="2" charset="0"/>
               </a:rPr>
-              <a:t>-0.18</a:t>
+              <a:t>-0.19</a:t>
             </a:r>
           </a:p>
         </p:txBody>
@@ -4378,7 +4378,7 @@
               <a:rPr lang="en-GB" sz="2400" dirty="0">
                 <a:latin typeface="Helvetica" pitchFamily="2" charset="0"/>
               </a:rPr>
-              <a:t>0.34</a:t>
+              <a:t>0.33</a:t>
             </a:r>
           </a:p>
         </p:txBody>
@@ -4415,7 +4415,7 @@
               <a:rPr lang="en-GB" sz="2400" dirty="0">
                 <a:latin typeface="Helvetica" pitchFamily="2" charset="0"/>
               </a:rPr>
-              <a:t>-0.47</a:t>
+              <a:t>-0.50</a:t>
             </a:r>
           </a:p>
         </p:txBody>
@@ -4538,7 +4538,7 @@
                 </a:solidFill>
                 <a:latin typeface="Helvetica" pitchFamily="2" charset="0"/>
               </a:rPr>
-              <a:t>R2 = 0.56</a:t>
+              <a:t>R2 = 0.60</a:t>
             </a:r>
           </a:p>
         </p:txBody>
@@ -4728,8 +4728,8 @@
           </a:fontRef>
         </p:style>
       </p:cxnSp>
-      <mc:AlternateContent xmlns:mc="http://schemas.openxmlformats.org/markup-compatibility/2006" xmlns:a14="http://schemas.microsoft.com/office/drawing/2010/main">
-        <mc:Choice Requires="a14">
+      <mc:AlternateContent xmlns:mc="http://schemas.openxmlformats.org/markup-compatibility/2006">
+        <mc:Choice xmlns:a14="http://schemas.microsoft.com/office/drawing/2010/main" Requires="a14">
           <p:sp>
             <p:nvSpPr>
               <p:cNvPr id="3" name="TextBox 2">
@@ -4745,7 +4745,7 @@
             <p:spPr>
               <a:xfrm>
                 <a:off x="3517354" y="6377129"/>
-                <a:ext cx="6101542" cy="276999"/>
+                <a:ext cx="6303136" cy="276999"/>
               </a:xfrm>
               <a:prstGeom prst="rect">
                 <a:avLst/>
@@ -4777,7 +4777,35 @@
                           <a:latin typeface="Cambria Math" panose="02040503050406030204" pitchFamily="18" charset="0"/>
                           <a:ea typeface="Cambria Math" panose="02040503050406030204" pitchFamily="18" charset="0"/>
                         </a:rPr>
-                        <m:t>2=1.62, </m:t>
+                        <m:t>2=</m:t>
+                      </m:r>
+                      <m:r>
+                        <a:rPr lang="en-US" b="0" i="1" smtClean="0">
+                          <a:latin typeface="Cambria Math" panose="02040503050406030204" pitchFamily="18" charset="0"/>
+                          <a:ea typeface="Cambria Math" panose="02040503050406030204" pitchFamily="18" charset="0"/>
+                        </a:rPr>
+                        <m:t>2</m:t>
+                      </m:r>
+                      <m:r>
+                        <a:rPr lang="de-CH" i="1">
+                          <a:latin typeface="Cambria Math" panose="02040503050406030204" pitchFamily="18" charset="0"/>
+                          <a:ea typeface="Cambria Math" panose="02040503050406030204" pitchFamily="18" charset="0"/>
+                        </a:rPr>
+                        <m:t>.</m:t>
+                      </m:r>
+                      <m:r>
+                        <a:rPr lang="en-US" b="0" i="1" smtClean="0">
+                          <a:latin typeface="Cambria Math" panose="02040503050406030204" pitchFamily="18" charset="0"/>
+                          <a:ea typeface="Cambria Math" panose="02040503050406030204" pitchFamily="18" charset="0"/>
+                        </a:rPr>
+                        <m:t>36</m:t>
+                      </m:r>
+                      <m:r>
+                        <a:rPr lang="de-CH" i="1">
+                          <a:latin typeface="Cambria Math" panose="02040503050406030204" pitchFamily="18" charset="0"/>
+                          <a:ea typeface="Cambria Math" panose="02040503050406030204" pitchFamily="18" charset="0"/>
+                        </a:rPr>
+                        <m:t>, </m:t>
                       </m:r>
                       <m:r>
                         <a:rPr lang="de-CH" i="1">
@@ -4819,7 +4847,7 @@
                           <a:latin typeface="Cambria Math" panose="02040503050406030204" pitchFamily="18" charset="0"/>
                           <a:ea typeface="Cambria Math" panose="02040503050406030204" pitchFamily="18" charset="0"/>
                         </a:rPr>
-                        <m:t> = 0.69, </m:t>
+                        <m:t> = 0.50, </m:t>
                       </m:r>
                       <m:r>
                         <a:rPr lang="de-CH" i="1">
@@ -4864,7 +4892,7 @@
             </p:txBody>
           </p:sp>
         </mc:Choice>
-        <mc:Fallback xmlns="">
+        <mc:Fallback>
           <p:sp>
             <p:nvSpPr>
               <p:cNvPr id="3" name="TextBox 2">
@@ -4882,7 +4910,7 @@
             <p:spPr>
               <a:xfrm>
                 <a:off x="3517354" y="6377129"/>
-                <a:ext cx="6101542" cy="276999"/>
+                <a:ext cx="6303136" cy="276999"/>
               </a:xfrm>
               <a:prstGeom prst="rect">
                 <a:avLst/>
@@ -4890,7 +4918,7 @@
               <a:blipFill>
                 <a:blip r:embed="rId3"/>
                 <a:stretch>
-                  <a:fillRect l="-207" t="-8696" r="-415" b="-34783"/>
+                  <a:fillRect l="-201" t="-8696" r="-402" b="-34783"/>
                 </a:stretch>
               </a:blipFill>
             </p:spPr>
@@ -4899,7 +4927,7 @@
               <a:lstStyle/>
               <a:p>
                 <a:r>
-                  <a:rPr lang="en-CH">
+                  <a:rPr lang="en-GB">
                     <a:noFill/>
                   </a:rPr>
                   <a:t> </a:t>

--- a/figures_ms/SEM_3.pptx
+++ b/figures_ms/SEM_3.pptx
@@ -208,7 +208,7 @@
           <a:p>
             <a:fld id="{392E123C-632C-5544-A784-CDF7918869F5}" type="datetimeFigureOut">
               <a:rPr lang="en-CH" smtClean="0"/>
-              <a:t>20.02.2025</a:t>
+              <a:t>23.07.2025</a:t>
             </a:fld>
             <a:endParaRPr lang="en-CH"/>
           </a:p>
@@ -709,7 +709,7 @@
           <a:p>
             <a:fld id="{E0ED9915-2572-7040-8910-74C1149B9A2E}" type="datetimeFigureOut">
               <a:rPr lang="en-CH" smtClean="0"/>
-              <a:t>20.02.2025</a:t>
+              <a:t>23.07.2025</a:t>
             </a:fld>
             <a:endParaRPr lang="en-CH"/>
           </a:p>
@@ -909,7 +909,7 @@
           <a:p>
             <a:fld id="{E0ED9915-2572-7040-8910-74C1149B9A2E}" type="datetimeFigureOut">
               <a:rPr lang="en-CH" smtClean="0"/>
-              <a:t>20.02.2025</a:t>
+              <a:t>23.07.2025</a:t>
             </a:fld>
             <a:endParaRPr lang="en-CH"/>
           </a:p>
@@ -1119,7 +1119,7 @@
           <a:p>
             <a:fld id="{E0ED9915-2572-7040-8910-74C1149B9A2E}" type="datetimeFigureOut">
               <a:rPr lang="en-CH" smtClean="0"/>
-              <a:t>20.02.2025</a:t>
+              <a:t>23.07.2025</a:t>
             </a:fld>
             <a:endParaRPr lang="en-CH"/>
           </a:p>
@@ -1319,7 +1319,7 @@
           <a:p>
             <a:fld id="{E0ED9915-2572-7040-8910-74C1149B9A2E}" type="datetimeFigureOut">
               <a:rPr lang="en-CH" smtClean="0"/>
-              <a:t>20.02.2025</a:t>
+              <a:t>23.07.2025</a:t>
             </a:fld>
             <a:endParaRPr lang="en-CH"/>
           </a:p>
@@ -1595,7 +1595,7 @@
           <a:p>
             <a:fld id="{E0ED9915-2572-7040-8910-74C1149B9A2E}" type="datetimeFigureOut">
               <a:rPr lang="en-CH" smtClean="0"/>
-              <a:t>20.02.2025</a:t>
+              <a:t>23.07.2025</a:t>
             </a:fld>
             <a:endParaRPr lang="en-CH"/>
           </a:p>
@@ -1863,7 +1863,7 @@
           <a:p>
             <a:fld id="{E0ED9915-2572-7040-8910-74C1149B9A2E}" type="datetimeFigureOut">
               <a:rPr lang="en-CH" smtClean="0"/>
-              <a:t>20.02.2025</a:t>
+              <a:t>23.07.2025</a:t>
             </a:fld>
             <a:endParaRPr lang="en-CH"/>
           </a:p>
@@ -2278,7 +2278,7 @@
           <a:p>
             <a:fld id="{E0ED9915-2572-7040-8910-74C1149B9A2E}" type="datetimeFigureOut">
               <a:rPr lang="en-CH" smtClean="0"/>
-              <a:t>20.02.2025</a:t>
+              <a:t>23.07.2025</a:t>
             </a:fld>
             <a:endParaRPr lang="en-CH"/>
           </a:p>
@@ -2420,7 +2420,7 @@
           <a:p>
             <a:fld id="{E0ED9915-2572-7040-8910-74C1149B9A2E}" type="datetimeFigureOut">
               <a:rPr lang="en-CH" smtClean="0"/>
-              <a:t>20.02.2025</a:t>
+              <a:t>23.07.2025</a:t>
             </a:fld>
             <a:endParaRPr lang="en-CH"/>
           </a:p>
@@ -2533,7 +2533,7 @@
           <a:p>
             <a:fld id="{E0ED9915-2572-7040-8910-74C1149B9A2E}" type="datetimeFigureOut">
               <a:rPr lang="en-CH" smtClean="0"/>
-              <a:t>20.02.2025</a:t>
+              <a:t>23.07.2025</a:t>
             </a:fld>
             <a:endParaRPr lang="en-CH"/>
           </a:p>
@@ -2846,7 +2846,7 @@
           <a:p>
             <a:fld id="{E0ED9915-2572-7040-8910-74C1149B9A2E}" type="datetimeFigureOut">
               <a:rPr lang="en-CH" smtClean="0"/>
-              <a:t>20.02.2025</a:t>
+              <a:t>23.07.2025</a:t>
             </a:fld>
             <a:endParaRPr lang="en-CH"/>
           </a:p>
@@ -3135,7 +3135,7 @@
           <a:p>
             <a:fld id="{E0ED9915-2572-7040-8910-74C1149B9A2E}" type="datetimeFigureOut">
               <a:rPr lang="en-CH" smtClean="0"/>
-              <a:t>20.02.2025</a:t>
+              <a:t>23.07.2025</a:t>
             </a:fld>
             <a:endParaRPr lang="en-CH"/>
           </a:p>
@@ -3378,7 +3378,7 @@
           <a:p>
             <a:fld id="{E0ED9915-2572-7040-8910-74C1149B9A2E}" type="datetimeFigureOut">
               <a:rPr lang="en-CH" smtClean="0"/>
-              <a:t>20.02.2025</a:t>
+              <a:t>23.07.2025</a:t>
             </a:fld>
             <a:endParaRPr lang="en-CH"/>
           </a:p>
@@ -4002,7 +4002,25 @@
                       </a:solidFill>
                       <a:latin typeface="Helvetica" pitchFamily="2" charset="0"/>
                     </a:rPr>
-                    <a:t>R2 = 0.90</a:t>
+                    <a:t>R</a:t>
+                  </a:r>
+                  <a:r>
+                    <a:rPr lang="en-GB" sz="2400" baseline="30000" dirty="0">
+                      <a:solidFill>
+                        <a:schemeClr val="tx1"/>
+                      </a:solidFill>
+                      <a:latin typeface="Helvetica" pitchFamily="2" charset="0"/>
+                    </a:rPr>
+                    <a:t>2</a:t>
+                  </a:r>
+                  <a:r>
+                    <a:rPr lang="en-GB" sz="2400" dirty="0">
+                      <a:solidFill>
+                        <a:schemeClr val="tx1"/>
+                      </a:solidFill>
+                      <a:latin typeface="Helvetica" pitchFamily="2" charset="0"/>
+                    </a:rPr>
+                    <a:t> = 0.90</a:t>
                   </a:r>
                 </a:p>
               </p:txBody>
@@ -4076,7 +4094,7 @@
                     <a:rPr lang="en-GB" sz="2400" dirty="0">
                       <a:latin typeface="Helvetica" pitchFamily="2" charset="0"/>
                     </a:rPr>
-                    <a:t>-0.30</a:t>
+                    <a:t>-0.28</a:t>
                   </a:r>
                 </a:p>
               </p:txBody>
@@ -4113,7 +4131,7 @@
                     <a:rPr lang="en-GB" sz="2400" dirty="0">
                       <a:latin typeface="Helvetica" pitchFamily="2" charset="0"/>
                     </a:rPr>
-                    <a:t>0.65</a:t>
+                    <a:t>0.66</a:t>
                   </a:r>
                 </a:p>
               </p:txBody>
@@ -4189,7 +4207,25 @@
                       </a:solidFill>
                       <a:latin typeface="Helvetica" pitchFamily="2" charset="0"/>
                     </a:rPr>
-                    <a:t>R2 = 0.25</a:t>
+                    <a:t>R</a:t>
+                  </a:r>
+                  <a:r>
+                    <a:rPr lang="en-GB" sz="2400" baseline="30000" dirty="0">
+                      <a:solidFill>
+                        <a:schemeClr val="tx1"/>
+                      </a:solidFill>
+                      <a:latin typeface="Helvetica" pitchFamily="2" charset="0"/>
+                    </a:rPr>
+                    <a:t>2</a:t>
+                  </a:r>
+                  <a:r>
+                    <a:rPr lang="en-GB" sz="2400" dirty="0">
+                      <a:solidFill>
+                        <a:schemeClr val="tx1"/>
+                      </a:solidFill>
+                      <a:latin typeface="Helvetica" pitchFamily="2" charset="0"/>
+                    </a:rPr>
+                    <a:t> = 0. 23</a:t>
                   </a:r>
                 </a:p>
               </p:txBody>
@@ -4341,7 +4377,7 @@
               <a:rPr lang="en-GB" sz="2400" dirty="0">
                 <a:latin typeface="Helvetica" pitchFamily="2" charset="0"/>
               </a:rPr>
-              <a:t>-0.19</a:t>
+              <a:t>-0.13</a:t>
             </a:r>
           </a:p>
         </p:txBody>
@@ -4415,7 +4451,7 @@
               <a:rPr lang="en-GB" sz="2400" dirty="0">
                 <a:latin typeface="Helvetica" pitchFamily="2" charset="0"/>
               </a:rPr>
-              <a:t>-0.50</a:t>
+              <a:t>-0.49</a:t>
             </a:r>
           </a:p>
         </p:txBody>
@@ -4538,7 +4574,25 @@
                 </a:solidFill>
                 <a:latin typeface="Helvetica" pitchFamily="2" charset="0"/>
               </a:rPr>
-              <a:t>R2 = 0.60</a:t>
+              <a:t>R</a:t>
+            </a:r>
+            <a:r>
+              <a:rPr lang="en-GB" sz="2400" baseline="30000" dirty="0">
+                <a:solidFill>
+                  <a:schemeClr val="tx1"/>
+                </a:solidFill>
+                <a:latin typeface="Helvetica" pitchFamily="2" charset="0"/>
+              </a:rPr>
+              <a:t>2</a:t>
+            </a:r>
+            <a:r>
+              <a:rPr lang="en-GB" sz="2400" dirty="0">
+                <a:solidFill>
+                  <a:schemeClr val="tx1"/>
+                </a:solidFill>
+                <a:latin typeface="Helvetica" pitchFamily="2" charset="0"/>
+              </a:rPr>
+              <a:t> = 0.59</a:t>
             </a:r>
           </a:p>
         </p:txBody>
@@ -4728,8 +4782,8 @@
           </a:fontRef>
         </p:style>
       </p:cxnSp>
-      <mc:AlternateContent xmlns:mc="http://schemas.openxmlformats.org/markup-compatibility/2006">
-        <mc:Choice xmlns:a14="http://schemas.microsoft.com/office/drawing/2010/main" Requires="a14">
+      <mc:AlternateContent xmlns:mc="http://schemas.openxmlformats.org/markup-compatibility/2006" xmlns:a14="http://schemas.microsoft.com/office/drawing/2010/main">
+        <mc:Choice Requires="a14">
           <p:sp>
             <p:nvSpPr>
               <p:cNvPr id="3" name="TextBox 2">
@@ -4745,7 +4799,7 @@
             <p:spPr>
               <a:xfrm>
                 <a:off x="3517354" y="6377129"/>
-                <a:ext cx="6303136" cy="276999"/>
+                <a:ext cx="6449010" cy="276999"/>
               </a:xfrm>
               <a:prstGeom prst="rect">
                 <a:avLst/>
@@ -4780,25 +4834,27 @@
                         <m:t>2=</m:t>
                       </m:r>
                       <m:r>
-                        <a:rPr lang="en-US" b="0" i="1" smtClean="0">
+                        <m:rPr>
+                          <m:nor/>
+                        </m:rPr>
+                        <a:rPr lang="en-US" b="0" i="0" smtClean="0">
                           <a:latin typeface="Cambria Math" panose="02040503050406030204" pitchFamily="18" charset="0"/>
                           <a:ea typeface="Cambria Math" panose="02040503050406030204" pitchFamily="18" charset="0"/>
                         </a:rPr>
-                        <m:t>2</m:t>
+                        <m:t>4</m:t>
                       </m:r>
                       <m:r>
-                        <a:rPr lang="de-CH" i="1">
-                          <a:latin typeface="Cambria Math" panose="02040503050406030204" pitchFamily="18" charset="0"/>
-                          <a:ea typeface="Cambria Math" panose="02040503050406030204" pitchFamily="18" charset="0"/>
-                        </a:rPr>
+                        <m:rPr>
+                          <m:nor/>
+                        </m:rPr>
+                        <a:rPr lang="en-CH"/>
                         <m:t>.</m:t>
                       </m:r>
                       <m:r>
                         <a:rPr lang="en-US" b="0" i="1" smtClean="0">
                           <a:latin typeface="Cambria Math" panose="02040503050406030204" pitchFamily="18" charset="0"/>
-                          <a:ea typeface="Cambria Math" panose="02040503050406030204" pitchFamily="18" charset="0"/>
                         </a:rPr>
-                        <m:t>36</m:t>
+                        <m:t>27</m:t>
                       </m:r>
                       <m:r>
                         <a:rPr lang="de-CH" i="1">
@@ -4847,7 +4903,7 @@
                           <a:latin typeface="Cambria Math" panose="02040503050406030204" pitchFamily="18" charset="0"/>
                           <a:ea typeface="Cambria Math" panose="02040503050406030204" pitchFamily="18" charset="0"/>
                         </a:rPr>
-                        <m:t> = 0.50, </m:t>
+                        <m:t> = 0.23, </m:t>
                       </m:r>
                       <m:r>
                         <a:rPr lang="de-CH" i="1">
@@ -4884,6 +4940,13 @@
                         </a:rPr>
                         <m:t> 0.0</m:t>
                       </m:r>
+                      <m:r>
+                        <a:rPr lang="en-US" b="0" i="1" smtClean="0">
+                          <a:latin typeface="Cambria Math" panose="02040503050406030204" pitchFamily="18" charset="0"/>
+                          <a:ea typeface="Cambria Math" panose="02040503050406030204" pitchFamily="18" charset="0"/>
+                        </a:rPr>
+                        <m:t>4</m:t>
+                      </m:r>
                     </m:oMath>
                   </m:oMathPara>
                 </a14:m>
@@ -4892,7 +4955,7 @@
             </p:txBody>
           </p:sp>
         </mc:Choice>
-        <mc:Fallback>
+        <mc:Fallback xmlns="">
           <p:sp>
             <p:nvSpPr>
               <p:cNvPr id="3" name="TextBox 2">
@@ -4910,7 +4973,7 @@
             <p:spPr>
               <a:xfrm>
                 <a:off x="3517354" y="6377129"/>
-                <a:ext cx="6303136" cy="276999"/>
+                <a:ext cx="6449010" cy="276999"/>
               </a:xfrm>
               <a:prstGeom prst="rect">
                 <a:avLst/>
@@ -4918,7 +4981,7 @@
               <a:blipFill>
                 <a:blip r:embed="rId3"/>
                 <a:stretch>
-                  <a:fillRect l="-201" t="-8696" r="-402" b="-34783"/>
+                  <a:fillRect l="-196" t="-8696" r="-393" b="-34783"/>
                 </a:stretch>
               </a:blipFill>
             </p:spPr>
